--- a/random/presentation/presentation.pptx
+++ b/random/presentation/presentation.pptx
@@ -237,7 +237,7 @@
           <a:p>
             <a:fld id="{49847FAD-14EC-4E34-930B-FD5B937DA759}" type="datetimeFigureOut">
               <a:rPr lang="en-US" smtClean="0"/>
-              <a:t>6/27/2023</a:t>
+              <a:t>6/29/2023</a:t>
             </a:fld>
             <a:endParaRPr lang="en-US"/>
           </a:p>
@@ -1551,7 +1551,7 @@
           <a:p>
             <a:fld id="{A035A8A6-D9FF-414C-A54C-3859E0689ADC}" type="datetimeFigureOut">
               <a:rPr lang="en-US" smtClean="0"/>
-              <a:t>6/27/2023</a:t>
+              <a:t>6/29/2023</a:t>
             </a:fld>
             <a:endParaRPr lang="en-US"/>
           </a:p>
@@ -1749,7 +1749,7 @@
           <a:p>
             <a:fld id="{A035A8A6-D9FF-414C-A54C-3859E0689ADC}" type="datetimeFigureOut">
               <a:rPr lang="en-US" smtClean="0"/>
-              <a:t>6/27/2023</a:t>
+              <a:t>6/29/2023</a:t>
             </a:fld>
             <a:endParaRPr lang="en-US"/>
           </a:p>
@@ -1957,7 +1957,7 @@
           <a:p>
             <a:fld id="{A035A8A6-D9FF-414C-A54C-3859E0689ADC}" type="datetimeFigureOut">
               <a:rPr lang="en-US" smtClean="0"/>
-              <a:t>6/27/2023</a:t>
+              <a:t>6/29/2023</a:t>
             </a:fld>
             <a:endParaRPr lang="en-US"/>
           </a:p>
@@ -2155,7 +2155,7 @@
           <a:p>
             <a:fld id="{A035A8A6-D9FF-414C-A54C-3859E0689ADC}" type="datetimeFigureOut">
               <a:rPr lang="en-US" smtClean="0"/>
-              <a:t>6/27/2023</a:t>
+              <a:t>6/29/2023</a:t>
             </a:fld>
             <a:endParaRPr lang="en-US"/>
           </a:p>
@@ -2430,7 +2430,7 @@
           <a:p>
             <a:fld id="{A035A8A6-D9FF-414C-A54C-3859E0689ADC}" type="datetimeFigureOut">
               <a:rPr lang="en-US" smtClean="0"/>
-              <a:t>6/27/2023</a:t>
+              <a:t>6/29/2023</a:t>
             </a:fld>
             <a:endParaRPr lang="en-US"/>
           </a:p>
@@ -2695,7 +2695,7 @@
           <a:p>
             <a:fld id="{A035A8A6-D9FF-414C-A54C-3859E0689ADC}" type="datetimeFigureOut">
               <a:rPr lang="en-US" smtClean="0"/>
-              <a:t>6/27/2023</a:t>
+              <a:t>6/29/2023</a:t>
             </a:fld>
             <a:endParaRPr lang="en-US"/>
           </a:p>
@@ -3107,7 +3107,7 @@
           <a:p>
             <a:fld id="{A035A8A6-D9FF-414C-A54C-3859E0689ADC}" type="datetimeFigureOut">
               <a:rPr lang="en-US" smtClean="0"/>
-              <a:t>6/27/2023</a:t>
+              <a:t>6/29/2023</a:t>
             </a:fld>
             <a:endParaRPr lang="en-US"/>
           </a:p>
@@ -3248,7 +3248,7 @@
           <a:p>
             <a:fld id="{A035A8A6-D9FF-414C-A54C-3859E0689ADC}" type="datetimeFigureOut">
               <a:rPr lang="en-US" smtClean="0"/>
-              <a:t>6/27/2023</a:t>
+              <a:t>6/29/2023</a:t>
             </a:fld>
             <a:endParaRPr lang="en-US"/>
           </a:p>
@@ -3361,7 +3361,7 @@
           <a:p>
             <a:fld id="{A035A8A6-D9FF-414C-A54C-3859E0689ADC}" type="datetimeFigureOut">
               <a:rPr lang="en-US" smtClean="0"/>
-              <a:t>6/27/2023</a:t>
+              <a:t>6/29/2023</a:t>
             </a:fld>
             <a:endParaRPr lang="en-US"/>
           </a:p>
@@ -3672,7 +3672,7 @@
           <a:p>
             <a:fld id="{A035A8A6-D9FF-414C-A54C-3859E0689ADC}" type="datetimeFigureOut">
               <a:rPr lang="en-US" smtClean="0"/>
-              <a:t>6/27/2023</a:t>
+              <a:t>6/29/2023</a:t>
             </a:fld>
             <a:endParaRPr lang="en-US"/>
           </a:p>
@@ -3960,7 +3960,7 @@
           <a:p>
             <a:fld id="{A035A8A6-D9FF-414C-A54C-3859E0689ADC}" type="datetimeFigureOut">
               <a:rPr lang="en-US" smtClean="0"/>
-              <a:t>6/27/2023</a:t>
+              <a:t>6/29/2023</a:t>
             </a:fld>
             <a:endParaRPr lang="en-US"/>
           </a:p>
@@ -4201,7 +4201,7 @@
           <a:p>
             <a:fld id="{A035A8A6-D9FF-414C-A54C-3859E0689ADC}" type="datetimeFigureOut">
               <a:rPr lang="en-US" smtClean="0"/>
-              <a:t>6/27/2023</a:t>
+              <a:t>6/29/2023</a:t>
             </a:fld>
             <a:endParaRPr lang="en-US"/>
           </a:p>
@@ -4884,7 +4884,7 @@
                   <a:latin typeface="MS PGothic" panose="020B0600070205080204" pitchFamily="34" charset="-128"/>
                   <a:ea typeface="MS PGothic" panose="020B0600070205080204" pitchFamily="34" charset="-128"/>
                 </a:rPr>
-                <a:t>6</a:t>
+                <a:t>7</a:t>
               </a:r>
               <a:r>
                 <a:rPr kumimoji="1" lang="ja-JP" altLang="en-US" sz="2400" dirty="0">
@@ -4904,10 +4904,10 @@
                   <a:latin typeface="MS PGothic" panose="020B0600070205080204" pitchFamily="34" charset="-128"/>
                   <a:ea typeface="MS PGothic" panose="020B0600070205080204" pitchFamily="34" charset="-128"/>
                 </a:rPr>
-                <a:t>5</a:t>
+                <a:t>3</a:t>
               </a:r>
               <a:r>
-                <a:rPr kumimoji="1" lang="ja-JP" altLang="en-US" sz="2400" dirty="0">
+                <a:rPr kumimoji="1" lang="ja-JP" altLang="en-US" sz="2400">
                   <a:solidFill>
                     <a:srgbClr val="343F56"/>
                   </a:solidFill>
@@ -8378,8 +8378,8 @@
           </p:sp>
         </p:grpSp>
       </p:grpSp>
-      <mc:AlternateContent xmlns:mc="http://schemas.openxmlformats.org/markup-compatibility/2006">
-        <mc:Choice xmlns:a14="http://schemas.microsoft.com/office/drawing/2010/main" Requires="a14">
+      <mc:AlternateContent xmlns:mc="http://schemas.openxmlformats.org/markup-compatibility/2006" xmlns:a14="http://schemas.microsoft.com/office/drawing/2010/main">
+        <mc:Choice Requires="a14">
           <p:sp>
             <p:nvSpPr>
               <p:cNvPr id="10" name="TextBox 9">
@@ -8474,7 +8474,7 @@
             </p:txBody>
           </p:sp>
         </mc:Choice>
-        <mc:Fallback>
+        <mc:Fallback xmlns="">
           <p:sp>
             <p:nvSpPr>
               <p:cNvPr id="10" name="TextBox 9">
@@ -8519,8 +8519,8 @@
           </p:sp>
         </mc:Fallback>
       </mc:AlternateContent>
-      <mc:AlternateContent xmlns:mc="http://schemas.openxmlformats.org/markup-compatibility/2006">
-        <mc:Choice xmlns:a14="http://schemas.microsoft.com/office/drawing/2010/main" Requires="a14">
+      <mc:AlternateContent xmlns:mc="http://schemas.openxmlformats.org/markup-compatibility/2006" xmlns:a14="http://schemas.microsoft.com/office/drawing/2010/main">
+        <mc:Choice Requires="a14">
           <p:sp>
             <p:nvSpPr>
               <p:cNvPr id="76" name="TextBox 75">
@@ -8707,7 +8707,7 @@
             </p:txBody>
           </p:sp>
         </mc:Choice>
-        <mc:Fallback>
+        <mc:Fallback xmlns="">
           <p:sp>
             <p:nvSpPr>
               <p:cNvPr id="76" name="TextBox 75">
@@ -9211,8 +9211,8 @@
           </a:p>
         </p:txBody>
       </p:sp>
-      <mc:AlternateContent xmlns:mc="http://schemas.openxmlformats.org/markup-compatibility/2006">
-        <mc:Choice xmlns:a14="http://schemas.microsoft.com/office/drawing/2010/main" Requires="a14">
+      <mc:AlternateContent xmlns:mc="http://schemas.openxmlformats.org/markup-compatibility/2006" xmlns:a14="http://schemas.microsoft.com/office/drawing/2010/main">
+        <mc:Choice Requires="a14">
           <p:sp>
             <p:nvSpPr>
               <p:cNvPr id="41" name="TextBox 40">
@@ -9300,7 +9300,7 @@
             </p:txBody>
           </p:sp>
         </mc:Choice>
-        <mc:Fallback>
+        <mc:Fallback xmlns="">
           <p:sp>
             <p:nvSpPr>
               <p:cNvPr id="41" name="TextBox 40">
@@ -9381,8 +9381,8 @@
           </a:prstGeom>
         </p:spPr>
       </p:pic>
-      <mc:AlternateContent xmlns:mc="http://schemas.openxmlformats.org/markup-compatibility/2006">
-        <mc:Choice xmlns:a14="http://schemas.microsoft.com/office/drawing/2010/main" Requires="a14">
+      <mc:AlternateContent xmlns:mc="http://schemas.openxmlformats.org/markup-compatibility/2006" xmlns:a14="http://schemas.microsoft.com/office/drawing/2010/main">
+        <mc:Choice Requires="a14">
           <p:sp>
             <p:nvSpPr>
               <p:cNvPr id="11" name="TextBox 10">
@@ -9484,7 +9484,7 @@
             </p:txBody>
           </p:sp>
         </mc:Choice>
-        <mc:Fallback>
+        <mc:Fallback xmlns="">
           <p:sp>
             <p:nvSpPr>
               <p:cNvPr id="11" name="TextBox 10">
@@ -9727,8 +9727,8 @@
           </a:p>
         </p:txBody>
       </p:sp>
-      <mc:AlternateContent xmlns:mc="http://schemas.openxmlformats.org/markup-compatibility/2006">
-        <mc:Choice xmlns:a14="http://schemas.microsoft.com/office/drawing/2010/main" Requires="a14">
+      <mc:AlternateContent xmlns:mc="http://schemas.openxmlformats.org/markup-compatibility/2006" xmlns:a14="http://schemas.microsoft.com/office/drawing/2010/main">
+        <mc:Choice Requires="a14">
           <p:sp>
             <p:nvSpPr>
               <p:cNvPr id="41" name="TextBox 40">
@@ -9826,7 +9826,7 @@
             </p:txBody>
           </p:sp>
         </mc:Choice>
-        <mc:Fallback>
+        <mc:Fallback xmlns="">
           <p:sp>
             <p:nvSpPr>
               <p:cNvPr id="41" name="TextBox 40">
@@ -9871,8 +9871,8 @@
           </p:sp>
         </mc:Fallback>
       </mc:AlternateContent>
-      <mc:AlternateContent xmlns:mc="http://schemas.openxmlformats.org/markup-compatibility/2006">
-        <mc:Choice xmlns:a14="http://schemas.microsoft.com/office/drawing/2010/main" Requires="a14">
+      <mc:AlternateContent xmlns:mc="http://schemas.openxmlformats.org/markup-compatibility/2006" xmlns:a14="http://schemas.microsoft.com/office/drawing/2010/main">
+        <mc:Choice Requires="a14">
           <p:sp>
             <p:nvSpPr>
               <p:cNvPr id="11" name="TextBox 10">
@@ -9974,7 +9974,7 @@
             </p:txBody>
           </p:sp>
         </mc:Choice>
-        <mc:Fallback>
+        <mc:Fallback xmlns="">
           <p:sp>
             <p:nvSpPr>
               <p:cNvPr id="11" name="TextBox 10">
@@ -13200,8 +13200,8 @@
           </a:prstGeom>
         </p:spPr>
       </p:pic>
-      <mc:AlternateContent xmlns:mc="http://schemas.openxmlformats.org/markup-compatibility/2006">
-        <mc:Choice xmlns:a14="http://schemas.microsoft.com/office/drawing/2010/main" Requires="a14">
+      <mc:AlternateContent xmlns:mc="http://schemas.openxmlformats.org/markup-compatibility/2006" xmlns:a14="http://schemas.microsoft.com/office/drawing/2010/main">
+        <mc:Choice Requires="a14">
           <p:sp>
             <p:nvSpPr>
               <p:cNvPr id="11" name="TextBox 10">
@@ -13303,7 +13303,7 @@
             </p:txBody>
           </p:sp>
         </mc:Choice>
-        <mc:Fallback>
+        <mc:Fallback xmlns="">
           <p:sp>
             <p:nvSpPr>
               <p:cNvPr id="11" name="TextBox 10">
@@ -27390,8 +27390,8 @@
           </a:p>
         </p:txBody>
       </p:sp>
-      <mc:AlternateContent xmlns:mc="http://schemas.openxmlformats.org/markup-compatibility/2006">
-        <mc:Choice xmlns:a14="http://schemas.microsoft.com/office/drawing/2010/main" Requires="a14">
+      <mc:AlternateContent xmlns:mc="http://schemas.openxmlformats.org/markup-compatibility/2006" xmlns:a14="http://schemas.microsoft.com/office/drawing/2010/main">
+        <mc:Choice Requires="a14">
           <p:sp>
             <p:nvSpPr>
               <p:cNvPr id="11" name="TextBox 10">
@@ -27499,7 +27499,7 @@
             </p:txBody>
           </p:sp>
         </mc:Choice>
-        <mc:Fallback>
+        <mc:Fallback xmlns="">
           <p:sp>
             <p:nvSpPr>
               <p:cNvPr id="11" name="TextBox 10">
@@ -27894,8 +27894,8 @@
           </a:p>
         </p:txBody>
       </p:sp>
-      <mc:AlternateContent xmlns:mc="http://schemas.openxmlformats.org/markup-compatibility/2006">
-        <mc:Choice xmlns:a14="http://schemas.microsoft.com/office/drawing/2010/main" Requires="a14">
+      <mc:AlternateContent xmlns:mc="http://schemas.openxmlformats.org/markup-compatibility/2006" xmlns:a14="http://schemas.microsoft.com/office/drawing/2010/main">
+        <mc:Choice Requires="a14">
           <p:sp>
             <p:nvSpPr>
               <p:cNvPr id="11" name="TextBox 10">
@@ -28003,7 +28003,7 @@
             </p:txBody>
           </p:sp>
         </mc:Choice>
-        <mc:Fallback>
+        <mc:Fallback xmlns="">
           <p:sp>
             <p:nvSpPr>
               <p:cNvPr id="11" name="TextBox 10">
@@ -28368,8 +28368,8 @@
           </a:p>
         </p:txBody>
       </p:sp>
-      <mc:AlternateContent xmlns:mc="http://schemas.openxmlformats.org/markup-compatibility/2006">
-        <mc:Choice xmlns:a14="http://schemas.microsoft.com/office/drawing/2010/main" Requires="a14">
+      <mc:AlternateContent xmlns:mc="http://schemas.openxmlformats.org/markup-compatibility/2006" xmlns:a14="http://schemas.microsoft.com/office/drawing/2010/main">
+        <mc:Choice Requires="a14">
           <p:sp>
             <p:nvSpPr>
               <p:cNvPr id="11" name="TextBox 10">
@@ -28437,7 +28437,7 @@
             </p:txBody>
           </p:sp>
         </mc:Choice>
-        <mc:Fallback>
+        <mc:Fallback xmlns="">
           <p:sp>
             <p:nvSpPr>
               <p:cNvPr id="11" name="TextBox 10">
@@ -28792,8 +28792,8 @@
           </a:p>
         </p:txBody>
       </p:sp>
-      <mc:AlternateContent xmlns:mc="http://schemas.openxmlformats.org/markup-compatibility/2006">
-        <mc:Choice xmlns:a14="http://schemas.microsoft.com/office/drawing/2010/main" Requires="a14">
+      <mc:AlternateContent xmlns:mc="http://schemas.openxmlformats.org/markup-compatibility/2006" xmlns:a14="http://schemas.microsoft.com/office/drawing/2010/main">
+        <mc:Choice Requires="a14">
           <p:sp>
             <p:nvSpPr>
               <p:cNvPr id="11" name="TextBox 10">
@@ -28881,7 +28881,7 @@
             </p:txBody>
           </p:sp>
         </mc:Choice>
-        <mc:Fallback>
+        <mc:Fallback xmlns="">
           <p:sp>
             <p:nvSpPr>
               <p:cNvPr id="11" name="TextBox 10">
@@ -31649,8 +31649,8 @@
           </a:p>
         </p:txBody>
       </p:sp>
-      <mc:AlternateContent xmlns:mc="http://schemas.openxmlformats.org/markup-compatibility/2006">
-        <mc:Choice xmlns:a14="http://schemas.microsoft.com/office/drawing/2010/main" Requires="a14">
+      <mc:AlternateContent xmlns:mc="http://schemas.openxmlformats.org/markup-compatibility/2006" xmlns:a14="http://schemas.microsoft.com/office/drawing/2010/main">
+        <mc:Choice Requires="a14">
           <p:sp>
             <p:nvSpPr>
               <p:cNvPr id="6" name="TextBox 5">
@@ -31752,7 +31752,7 @@
             </p:txBody>
           </p:sp>
         </mc:Choice>
-        <mc:Fallback>
+        <mc:Fallback xmlns="">
           <p:sp>
             <p:nvSpPr>
               <p:cNvPr id="6" name="TextBox 5">
@@ -32083,8 +32083,8 @@
           </a:p>
         </p:txBody>
       </p:sp>
-      <mc:AlternateContent xmlns:mc="http://schemas.openxmlformats.org/markup-compatibility/2006">
-        <mc:Choice xmlns:a14="http://schemas.microsoft.com/office/drawing/2010/main" Requires="a14">
+      <mc:AlternateContent xmlns:mc="http://schemas.openxmlformats.org/markup-compatibility/2006" xmlns:a14="http://schemas.microsoft.com/office/drawing/2010/main">
+        <mc:Choice Requires="a14">
           <p:sp>
             <p:nvSpPr>
               <p:cNvPr id="6" name="TextBox 5">
@@ -32186,7 +32186,7 @@
             </p:txBody>
           </p:sp>
         </mc:Choice>
-        <mc:Fallback>
+        <mc:Fallback xmlns="">
           <p:sp>
             <p:nvSpPr>
               <p:cNvPr id="6" name="TextBox 5">
@@ -32517,8 +32517,8 @@
           </a:p>
         </p:txBody>
       </p:sp>
-      <mc:AlternateContent xmlns:mc="http://schemas.openxmlformats.org/markup-compatibility/2006">
-        <mc:Choice xmlns:a14="http://schemas.microsoft.com/office/drawing/2010/main" Requires="a14">
+      <mc:AlternateContent xmlns:mc="http://schemas.openxmlformats.org/markup-compatibility/2006" xmlns:a14="http://schemas.microsoft.com/office/drawing/2010/main">
+        <mc:Choice Requires="a14">
           <p:sp>
             <p:nvSpPr>
               <p:cNvPr id="6" name="TextBox 5">
@@ -32620,7 +32620,7 @@
             </p:txBody>
           </p:sp>
         </mc:Choice>
-        <mc:Fallback>
+        <mc:Fallback xmlns="">
           <p:sp>
             <p:nvSpPr>
               <p:cNvPr id="6" name="TextBox 5">
